--- a/Files and PPT/Intersection of Pandemic and Progress.pptx
+++ b/Files and PPT/Intersection of Pandemic and Progress.pptx
@@ -117,7 +117,257 @@
       </a:defRPr>
     </a:lvl9pPr>
   </p:defaultTextStyle>
+  <p:extLst>
+    <p:ext uri="{EFAFB233-063F-42B5-8137-9DF3F51BA10A}">
+      <p15:sldGuideLst xmlns:p15="http://schemas.microsoft.com/office/powerpoint/2012/main"/>
+    </p:ext>
+  </p:extLst>
 </p:presentation>
+</file>
+
+<file path=ppt/revisionInfo.xml><?xml version="1.0" encoding="utf-8"?>
+<p1510:revInfo xmlns:a="http://schemas.openxmlformats.org/drawingml/2006/main" xmlns:r="http://schemas.openxmlformats.org/officeDocument/2006/relationships" xmlns:p1510="http://schemas.microsoft.com/office/powerpoint/2015/10/main">
+  <p1510:revLst>
+    <p1510:client id="{8DDE3262-0BCD-4CAB-B8A9-A150669A2014}" v="3" dt="2024-04-27T04:03:58.213"/>
+  </p1510:revLst>
+</p1510:revInfo>
+</file>
+
+<file path=ppt/changesInfos/changesInfo1.xml><?xml version="1.0" encoding="utf-8"?>
+<pc:chgInfo xmlns:a="http://schemas.openxmlformats.org/drawingml/2006/main" xmlns:r="http://schemas.openxmlformats.org/officeDocument/2006/relationships" xmlns:ac="http://schemas.microsoft.com/office/drawing/2013/main/command" xmlns:pc="http://schemas.microsoft.com/office/powerpoint/2013/main/command">
+  <pc:docChgLst>
+    <pc:chgData name="Junuthula, Uthkarsh Reddy" userId="81dea3ba-f0d8-48d1-9c1f-4dbe69fa4f1b" providerId="ADAL" clId="{8DDE3262-0BCD-4CAB-B8A9-A150669A2014}"/>
+    <pc:docChg chg="undo custSel modSld">
+      <pc:chgData name="Junuthula, Uthkarsh Reddy" userId="81dea3ba-f0d8-48d1-9c1f-4dbe69fa4f1b" providerId="ADAL" clId="{8DDE3262-0BCD-4CAB-B8A9-A150669A2014}" dt="2024-04-27T04:03:51.850" v="78" actId="14100"/>
+      <pc:docMkLst>
+        <pc:docMk/>
+      </pc:docMkLst>
+      <pc:sldChg chg="addSp delSp modSp mod setBg addAnim delAnim">
+        <pc:chgData name="Junuthula, Uthkarsh Reddy" userId="81dea3ba-f0d8-48d1-9c1f-4dbe69fa4f1b" providerId="ADAL" clId="{8DDE3262-0BCD-4CAB-B8A9-A150669A2014}" dt="2024-04-27T04:03:51.850" v="78" actId="14100"/>
+        <pc:sldMkLst>
+          <pc:docMk/>
+          <pc:sldMk cId="3834130495" sldId="267"/>
+        </pc:sldMkLst>
+        <pc:spChg chg="mod">
+          <ac:chgData name="Junuthula, Uthkarsh Reddy" userId="81dea3ba-f0d8-48d1-9c1f-4dbe69fa4f1b" providerId="ADAL" clId="{8DDE3262-0BCD-4CAB-B8A9-A150669A2014}" dt="2024-04-27T04:03:07.656" v="37" actId="26606"/>
+          <ac:spMkLst>
+            <pc:docMk/>
+            <pc:sldMk cId="3834130495" sldId="267"/>
+            <ac:spMk id="2" creationId="{1CB02B16-5501-CC66-A13A-62D42B5B8744}"/>
+          </ac:spMkLst>
+        </pc:spChg>
+        <pc:spChg chg="add del mod">
+          <ac:chgData name="Junuthula, Uthkarsh Reddy" userId="81dea3ba-f0d8-48d1-9c1f-4dbe69fa4f1b" providerId="ADAL" clId="{8DDE3262-0BCD-4CAB-B8A9-A150669A2014}" dt="2024-04-27T04:03:24.507" v="55" actId="478"/>
+          <ac:spMkLst>
+            <pc:docMk/>
+            <pc:sldMk cId="3834130495" sldId="267"/>
+            <ac:spMk id="3" creationId="{A30EFB3B-7716-4C0B-A737-C21E6AEB04B5}"/>
+          </ac:spMkLst>
+        </pc:spChg>
+        <pc:spChg chg="add del mod">
+          <ac:chgData name="Junuthula, Uthkarsh Reddy" userId="81dea3ba-f0d8-48d1-9c1f-4dbe69fa4f1b" providerId="ADAL" clId="{8DDE3262-0BCD-4CAB-B8A9-A150669A2014}" dt="2024-04-27T04:02:52.878" v="21" actId="478"/>
+          <ac:spMkLst>
+            <pc:docMk/>
+            <pc:sldMk cId="3834130495" sldId="267"/>
+            <ac:spMk id="4" creationId="{FB2F10C1-F204-A613-8F6C-297A8E5B0256}"/>
+          </ac:spMkLst>
+        </pc:spChg>
+        <pc:spChg chg="add mod">
+          <ac:chgData name="Junuthula, Uthkarsh Reddy" userId="81dea3ba-f0d8-48d1-9c1f-4dbe69fa4f1b" providerId="ADAL" clId="{8DDE3262-0BCD-4CAB-B8A9-A150669A2014}" dt="2024-04-27T04:03:51.850" v="78" actId="14100"/>
+          <ac:spMkLst>
+            <pc:docMk/>
+            <pc:sldMk cId="3834130495" sldId="267"/>
+            <ac:spMk id="7" creationId="{26225DE1-7138-F3EF-A038-8F6916EF8833}"/>
+          </ac:spMkLst>
+        </pc:spChg>
+        <pc:spChg chg="add del mod">
+          <ac:chgData name="Junuthula, Uthkarsh Reddy" userId="81dea3ba-f0d8-48d1-9c1f-4dbe69fa4f1b" providerId="ADAL" clId="{8DDE3262-0BCD-4CAB-B8A9-A150669A2014}" dt="2024-04-27T04:03:27.014" v="56" actId="478"/>
+          <ac:spMkLst>
+            <pc:docMk/>
+            <pc:sldMk cId="3834130495" sldId="267"/>
+            <ac:spMk id="8" creationId="{0AF4889B-BC12-CE52-66AA-FF80322D84DE}"/>
+          </ac:spMkLst>
+        </pc:spChg>
+        <pc:spChg chg="add del mod">
+          <ac:chgData name="Junuthula, Uthkarsh Reddy" userId="81dea3ba-f0d8-48d1-9c1f-4dbe69fa4f1b" providerId="ADAL" clId="{8DDE3262-0BCD-4CAB-B8A9-A150669A2014}" dt="2024-04-27T04:03:24.507" v="55" actId="478"/>
+          <ac:spMkLst>
+            <pc:docMk/>
+            <pc:sldMk cId="3834130495" sldId="267"/>
+            <ac:spMk id="10" creationId="{6093D409-F3D1-9257-1F14-FD74DA0D0E1B}"/>
+          </ac:spMkLst>
+        </pc:spChg>
+        <pc:spChg chg="add del">
+          <ac:chgData name="Junuthula, Uthkarsh Reddy" userId="81dea3ba-f0d8-48d1-9c1f-4dbe69fa4f1b" providerId="ADAL" clId="{8DDE3262-0BCD-4CAB-B8A9-A150669A2014}" dt="2024-04-27T04:03:00.993" v="23" actId="26606"/>
+          <ac:spMkLst>
+            <pc:docMk/>
+            <pc:sldMk cId="3834130495" sldId="267"/>
+            <ac:spMk id="11" creationId="{2B97F24A-32CE-4C1C-A50D-3016B394DCFB}"/>
+          </ac:spMkLst>
+        </pc:spChg>
+        <pc:spChg chg="add del">
+          <ac:chgData name="Junuthula, Uthkarsh Reddy" userId="81dea3ba-f0d8-48d1-9c1f-4dbe69fa4f1b" providerId="ADAL" clId="{8DDE3262-0BCD-4CAB-B8A9-A150669A2014}" dt="2024-04-27T04:03:00.993" v="23" actId="26606"/>
+          <ac:spMkLst>
+            <pc:docMk/>
+            <pc:sldMk cId="3834130495" sldId="267"/>
+            <ac:spMk id="13" creationId="{3CE8AF5E-D374-4CF1-90CC-35CF73B81C3E}"/>
+          </ac:spMkLst>
+        </pc:spChg>
+        <pc:spChg chg="add del">
+          <ac:chgData name="Junuthula, Uthkarsh Reddy" userId="81dea3ba-f0d8-48d1-9c1f-4dbe69fa4f1b" providerId="ADAL" clId="{8DDE3262-0BCD-4CAB-B8A9-A150669A2014}" dt="2024-04-27T04:03:02.441" v="25" actId="26606"/>
+          <ac:spMkLst>
+            <pc:docMk/>
+            <pc:sldMk cId="3834130495" sldId="267"/>
+            <ac:spMk id="17" creationId="{DA381740-063A-41A4-836D-85D14980EEF0}"/>
+          </ac:spMkLst>
+        </pc:spChg>
+        <pc:spChg chg="add del">
+          <ac:chgData name="Junuthula, Uthkarsh Reddy" userId="81dea3ba-f0d8-48d1-9c1f-4dbe69fa4f1b" providerId="ADAL" clId="{8DDE3262-0BCD-4CAB-B8A9-A150669A2014}" dt="2024-04-27T04:03:02.441" v="25" actId="26606"/>
+          <ac:spMkLst>
+            <pc:docMk/>
+            <pc:sldMk cId="3834130495" sldId="267"/>
+            <ac:spMk id="18" creationId="{8A94871E-96FC-4ADE-815B-41A636E34F1A}"/>
+          </ac:spMkLst>
+        </pc:spChg>
+        <pc:spChg chg="add del">
+          <ac:chgData name="Junuthula, Uthkarsh Reddy" userId="81dea3ba-f0d8-48d1-9c1f-4dbe69fa4f1b" providerId="ADAL" clId="{8DDE3262-0BCD-4CAB-B8A9-A150669A2014}" dt="2024-04-27T04:03:02.441" v="25" actId="26606"/>
+          <ac:spMkLst>
+            <pc:docMk/>
+            <pc:sldMk cId="3834130495" sldId="267"/>
+            <ac:spMk id="19" creationId="{3FCFB1DE-0B7E-48CC-BA90-B2AB0889F9D6}"/>
+          </ac:spMkLst>
+        </pc:spChg>
+        <pc:spChg chg="add del">
+          <ac:chgData name="Junuthula, Uthkarsh Reddy" userId="81dea3ba-f0d8-48d1-9c1f-4dbe69fa4f1b" providerId="ADAL" clId="{8DDE3262-0BCD-4CAB-B8A9-A150669A2014}" dt="2024-04-27T04:03:03" v="28" actId="26606"/>
+          <ac:spMkLst>
+            <pc:docMk/>
+            <pc:sldMk cId="3834130495" sldId="267"/>
+            <ac:spMk id="21" creationId="{DA381740-063A-41A4-836D-85D14980EEF0}"/>
+          </ac:spMkLst>
+        </pc:spChg>
+        <pc:spChg chg="add del">
+          <ac:chgData name="Junuthula, Uthkarsh Reddy" userId="81dea3ba-f0d8-48d1-9c1f-4dbe69fa4f1b" providerId="ADAL" clId="{8DDE3262-0BCD-4CAB-B8A9-A150669A2014}" dt="2024-04-27T04:03:03" v="28" actId="26606"/>
+          <ac:spMkLst>
+            <pc:docMk/>
+            <pc:sldMk cId="3834130495" sldId="267"/>
+            <ac:spMk id="22" creationId="{9B7AD9F6-8CE7-4299-8FC6-328F4DCD3FF9}"/>
+          </ac:spMkLst>
+        </pc:spChg>
+        <pc:spChg chg="add del">
+          <ac:chgData name="Junuthula, Uthkarsh Reddy" userId="81dea3ba-f0d8-48d1-9c1f-4dbe69fa4f1b" providerId="ADAL" clId="{8DDE3262-0BCD-4CAB-B8A9-A150669A2014}" dt="2024-04-27T04:03:03" v="28" actId="26606"/>
+          <ac:spMkLst>
+            <pc:docMk/>
+            <pc:sldMk cId="3834130495" sldId="267"/>
+            <ac:spMk id="23" creationId="{F49775AF-8896-43EE-92C6-83497D6DC56F}"/>
+          </ac:spMkLst>
+        </pc:spChg>
+        <pc:spChg chg="add del">
+          <ac:chgData name="Junuthula, Uthkarsh Reddy" userId="81dea3ba-f0d8-48d1-9c1f-4dbe69fa4f1b" providerId="ADAL" clId="{8DDE3262-0BCD-4CAB-B8A9-A150669A2014}" dt="2024-04-27T04:03:03.850" v="31" actId="26606"/>
+          <ac:spMkLst>
+            <pc:docMk/>
+            <pc:sldMk cId="3834130495" sldId="267"/>
+            <ac:spMk id="25" creationId="{2C61293E-6EBE-43EF-A52C-9BEBFD7679D4}"/>
+          </ac:spMkLst>
+        </pc:spChg>
+        <pc:spChg chg="add del">
+          <ac:chgData name="Junuthula, Uthkarsh Reddy" userId="81dea3ba-f0d8-48d1-9c1f-4dbe69fa4f1b" providerId="ADAL" clId="{8DDE3262-0BCD-4CAB-B8A9-A150669A2014}" dt="2024-04-27T04:03:03.850" v="31" actId="26606"/>
+          <ac:spMkLst>
+            <pc:docMk/>
+            <pc:sldMk cId="3834130495" sldId="267"/>
+            <ac:spMk id="26" creationId="{3FCFB1DE-0B7E-48CC-BA90-B2AB0889F9D6}"/>
+          </ac:spMkLst>
+        </pc:spChg>
+        <pc:spChg chg="add del">
+          <ac:chgData name="Junuthula, Uthkarsh Reddy" userId="81dea3ba-f0d8-48d1-9c1f-4dbe69fa4f1b" providerId="ADAL" clId="{8DDE3262-0BCD-4CAB-B8A9-A150669A2014}" dt="2024-04-27T04:03:04.945" v="34" actId="26606"/>
+          <ac:spMkLst>
+            <pc:docMk/>
+            <pc:sldMk cId="3834130495" sldId="267"/>
+            <ac:spMk id="28" creationId="{DA381740-063A-41A4-836D-85D14980EEF0}"/>
+          </ac:spMkLst>
+        </pc:spChg>
+        <pc:spChg chg="add del">
+          <ac:chgData name="Junuthula, Uthkarsh Reddy" userId="81dea3ba-f0d8-48d1-9c1f-4dbe69fa4f1b" providerId="ADAL" clId="{8DDE3262-0BCD-4CAB-B8A9-A150669A2014}" dt="2024-04-27T04:03:04.945" v="34" actId="26606"/>
+          <ac:spMkLst>
+            <pc:docMk/>
+            <pc:sldMk cId="3834130495" sldId="267"/>
+            <ac:spMk id="29" creationId="{9B7AD9F6-8CE7-4299-8FC6-328F4DCD3FF9}"/>
+          </ac:spMkLst>
+        </pc:spChg>
+        <pc:spChg chg="add del">
+          <ac:chgData name="Junuthula, Uthkarsh Reddy" userId="81dea3ba-f0d8-48d1-9c1f-4dbe69fa4f1b" providerId="ADAL" clId="{8DDE3262-0BCD-4CAB-B8A9-A150669A2014}" dt="2024-04-27T04:03:04.945" v="34" actId="26606"/>
+          <ac:spMkLst>
+            <pc:docMk/>
+            <pc:sldMk cId="3834130495" sldId="267"/>
+            <ac:spMk id="30" creationId="{F49775AF-8896-43EE-92C6-83497D6DC56F}"/>
+          </ac:spMkLst>
+        </pc:spChg>
+        <pc:spChg chg="add del">
+          <ac:chgData name="Junuthula, Uthkarsh Reddy" userId="81dea3ba-f0d8-48d1-9c1f-4dbe69fa4f1b" providerId="ADAL" clId="{8DDE3262-0BCD-4CAB-B8A9-A150669A2014}" dt="2024-04-27T04:03:07.652" v="36" actId="26606"/>
+          <ac:spMkLst>
+            <pc:docMk/>
+            <pc:sldMk cId="3834130495" sldId="267"/>
+            <ac:spMk id="32" creationId="{DA381740-063A-41A4-836D-85D14980EEF0}"/>
+          </ac:spMkLst>
+        </pc:spChg>
+        <pc:spChg chg="add del">
+          <ac:chgData name="Junuthula, Uthkarsh Reddy" userId="81dea3ba-f0d8-48d1-9c1f-4dbe69fa4f1b" providerId="ADAL" clId="{8DDE3262-0BCD-4CAB-B8A9-A150669A2014}" dt="2024-04-27T04:03:07.652" v="36" actId="26606"/>
+          <ac:spMkLst>
+            <pc:docMk/>
+            <pc:sldMk cId="3834130495" sldId="267"/>
+            <ac:spMk id="33" creationId="{665DBBEF-238B-476B-96AB-8AAC3224ECEA}"/>
+          </ac:spMkLst>
+        </pc:spChg>
+        <pc:spChg chg="add del">
+          <ac:chgData name="Junuthula, Uthkarsh Reddy" userId="81dea3ba-f0d8-48d1-9c1f-4dbe69fa4f1b" providerId="ADAL" clId="{8DDE3262-0BCD-4CAB-B8A9-A150669A2014}" dt="2024-04-27T04:03:07.652" v="36" actId="26606"/>
+          <ac:spMkLst>
+            <pc:docMk/>
+            <pc:sldMk cId="3834130495" sldId="267"/>
+            <ac:spMk id="34" creationId="{3FCFB1DE-0B7E-48CC-BA90-B2AB0889F9D6}"/>
+          </ac:spMkLst>
+        </pc:spChg>
+        <pc:spChg chg="add">
+          <ac:chgData name="Junuthula, Uthkarsh Reddy" userId="81dea3ba-f0d8-48d1-9c1f-4dbe69fa4f1b" providerId="ADAL" clId="{8DDE3262-0BCD-4CAB-B8A9-A150669A2014}" dt="2024-04-27T04:03:07.656" v="37" actId="26606"/>
+          <ac:spMkLst>
+            <pc:docMk/>
+            <pc:sldMk cId="3834130495" sldId="267"/>
+            <ac:spMk id="36" creationId="{743AA782-23D1-4521-8CAD-47662984AA08}"/>
+          </ac:spMkLst>
+        </pc:spChg>
+        <pc:spChg chg="add">
+          <ac:chgData name="Junuthula, Uthkarsh Reddy" userId="81dea3ba-f0d8-48d1-9c1f-4dbe69fa4f1b" providerId="ADAL" clId="{8DDE3262-0BCD-4CAB-B8A9-A150669A2014}" dt="2024-04-27T04:03:07.656" v="37" actId="26606"/>
+          <ac:spMkLst>
+            <pc:docMk/>
+            <pc:sldMk cId="3834130495" sldId="267"/>
+            <ac:spMk id="37" creationId="{3CE8AF5E-D374-4CF1-90CC-35CF73B81C3E}"/>
+          </ac:spMkLst>
+        </pc:spChg>
+        <pc:picChg chg="add mod">
+          <ac:chgData name="Junuthula, Uthkarsh Reddy" userId="81dea3ba-f0d8-48d1-9c1f-4dbe69fa4f1b" providerId="ADAL" clId="{8DDE3262-0BCD-4CAB-B8A9-A150669A2014}" dt="2024-04-27T04:03:07.656" v="37" actId="26606"/>
+          <ac:picMkLst>
+            <pc:docMk/>
+            <pc:sldMk cId="3834130495" sldId="267"/>
+            <ac:picMk id="6" creationId="{5E7A9D85-1BF1-E7B1-DB43-0667868008A2}"/>
+          </ac:picMkLst>
+        </pc:picChg>
+        <pc:inkChg chg="add del">
+          <ac:chgData name="Junuthula, Uthkarsh Reddy" userId="81dea3ba-f0d8-48d1-9c1f-4dbe69fa4f1b" providerId="ADAL" clId="{8DDE3262-0BCD-4CAB-B8A9-A150669A2014}" dt="2024-04-27T04:03:00.993" v="23" actId="26606"/>
+          <ac:inkMkLst>
+            <pc:docMk/>
+            <pc:sldMk cId="3834130495" sldId="267"/>
+            <ac:inkMk id="15" creationId="{070477C5-0410-4E4F-97A1-F84C2465C187}"/>
+          </ac:inkMkLst>
+        </pc:inkChg>
+        <pc:inkChg chg="add">
+          <ac:chgData name="Junuthula, Uthkarsh Reddy" userId="81dea3ba-f0d8-48d1-9c1f-4dbe69fa4f1b" providerId="ADAL" clId="{8DDE3262-0BCD-4CAB-B8A9-A150669A2014}" dt="2024-04-27T04:03:07.656" v="37" actId="26606"/>
+          <ac:inkMkLst>
+            <pc:docMk/>
+            <pc:sldMk cId="3834130495" sldId="267"/>
+            <ac:inkMk id="38" creationId="{070477C5-0410-4E4F-97A1-F84C2465C187}"/>
+          </ac:inkMkLst>
+        </pc:inkChg>
+      </pc:sldChg>
+    </pc:docChg>
+  </pc:docChgLst>
+</pc:chgInfo>
 </file>
 
 <file path=ppt/ink/ink1.xml><?xml version="1.0" encoding="utf-8"?>
@@ -165,6 +415,34 @@
         </inkml:channelProperties>
       </inkml:inkSource>
       <inkml:timestamp xml:id="ts0" timeString="2024-04-27T02:03:23.192"/>
+    </inkml:context>
+    <inkml:brush xml:id="br0">
+      <inkml:brushProperty name="width" value="0.1" units="cm"/>
+      <inkml:brushProperty name="height" value="0.1" units="cm"/>
+      <inkml:brushProperty name="color" value="#FFFFFF"/>
+    </inkml:brush>
+  </inkml:definitions>
+  <inkml:trace contextRef="#ctx0" brushRef="#br0">1 0 128,'0'6'0</inkml:trace>
+</inkml:ink>
+</file>
+
+<file path=ppt/ink/ink3.xml><?xml version="1.0" encoding="utf-8"?>
+<inkml:ink xmlns:inkml="http://www.w3.org/2003/InkML">
+  <inkml:definitions>
+    <inkml:context xml:id="ctx0">
+      <inkml:inkSource xml:id="inkSrc0">
+        <inkml:traceFormat>
+          <inkml:channel name="X" type="integer" min="-2.14748E9" max="2.14748E9" units="cm"/>
+          <inkml:channel name="Y" type="integer" min="-2.14748E9" max="2.14748E9" units="cm"/>
+          <inkml:channel name="F" type="integer" max="32767" units="dev"/>
+        </inkml:traceFormat>
+        <inkml:channelProperties>
+          <inkml:channelProperty channel="X" name="resolution" value="1000" units="1/cm"/>
+          <inkml:channelProperty channel="Y" name="resolution" value="1000" units="1/cm"/>
+          <inkml:channelProperty channel="F" name="resolution" value="0" units="1/dev"/>
+        </inkml:channelProperties>
+      </inkml:inkSource>
+      <inkml:timestamp xml:id="ts0" timeString="2024-04-27T04:02:53.998"/>
     </inkml:context>
     <inkml:brush xml:id="br0">
       <inkml:brushProperty name="width" value="0.1" units="cm"/>
@@ -8962,6 +9240,14 @@
 <file path=ppt/slides/slide12.xml><?xml version="1.0" encoding="utf-8"?>
 <p:sld xmlns:a="http://schemas.openxmlformats.org/drawingml/2006/main" xmlns:r="http://schemas.openxmlformats.org/officeDocument/2006/relationships" xmlns:p="http://schemas.openxmlformats.org/presentationml/2006/main">
   <p:cSld>
+    <p:bg>
+      <p:bgPr>
+        <a:solidFill>
+          <a:schemeClr val="bg1"/>
+        </a:solidFill>
+        <a:effectLst/>
+      </p:bgPr>
+    </p:bg>
     <p:spTree>
       <p:nvGrpSpPr>
         <p:cNvPr id="1" name=""/>
@@ -8976,6 +9262,66 @@
           <a:chExt cx="0" cy="0"/>
         </a:xfrm>
       </p:grpSpPr>
+      <p:sp useBgFill="1">
+        <p:nvSpPr>
+          <p:cNvPr id="36" name="Rectangle 35">
+            <a:extLst>
+              <a:ext uri="{FF2B5EF4-FFF2-40B4-BE49-F238E27FC236}">
+                <a16:creationId xmlns:a16="http://schemas.microsoft.com/office/drawing/2014/main" id="{743AA782-23D1-4521-8CAD-47662984AA08}"/>
+              </a:ext>
+              <a:ext uri="{C183D7F6-B498-43B3-948B-1728B52AA6E4}">
+                <adec:decorative xmlns:adec="http://schemas.microsoft.com/office/drawing/2017/decorative" val="1"/>
+              </a:ext>
+            </a:extLst>
+          </p:cNvPr>
+          <p:cNvSpPr>
+            <a:spLocks noGrp="1" noRot="1" noChangeAspect="1" noMove="1" noResize="1" noEditPoints="1" noAdjustHandles="1" noChangeArrowheads="1" noChangeShapeType="1" noTextEdit="1"/>
+          </p:cNvSpPr>
+          <p:nvPr>
+            <p:extLst>
+              <p:ext uri="{386F3935-93C4-4BCD-93E2-E3B085C9AB24}">
+                <p16:designElem xmlns:p16="http://schemas.microsoft.com/office/powerpoint/2015/main" val="1"/>
+              </p:ext>
+            </p:extLst>
+          </p:nvPr>
+        </p:nvSpPr>
+        <p:spPr>
+          <a:xfrm>
+            <a:off x="0" y="0"/>
+            <a:ext cx="12192000" cy="6858000"/>
+          </a:xfrm>
+          <a:prstGeom prst="rect">
+            <a:avLst/>
+          </a:prstGeom>
+          <a:ln>
+            <a:noFill/>
+          </a:ln>
+        </p:spPr>
+        <p:style>
+          <a:lnRef idx="2">
+            <a:schemeClr val="accent1">
+              <a:shade val="50000"/>
+            </a:schemeClr>
+          </a:lnRef>
+          <a:fillRef idx="1">
+            <a:schemeClr val="accent1"/>
+          </a:fillRef>
+          <a:effectRef idx="0">
+            <a:schemeClr val="accent1"/>
+          </a:effectRef>
+          <a:fontRef idx="minor">
+            <a:schemeClr val="lt1"/>
+          </a:fontRef>
+        </p:style>
+        <p:txBody>
+          <a:bodyPr rtlCol="0" anchor="ctr"/>
+          <a:lstStyle/>
+          <a:p>
+            <a:pPr algn="ctr"/>
+            <a:endParaRPr lang="en-US"/>
+          </a:p>
+        </p:txBody>
+      </p:sp>
       <p:sp>
         <p:nvSpPr>
           <p:cNvPr id="2" name="Title 1">
@@ -8992,16 +9338,336 @@
             <p:ph type="title"/>
           </p:nvPr>
         </p:nvSpPr>
-        <p:spPr/>
+        <p:spPr>
+          <a:xfrm>
+            <a:off x="630936" y="640080"/>
+            <a:ext cx="4818888" cy="1481328"/>
+          </a:xfrm>
+        </p:spPr>
         <p:txBody>
-          <a:bodyPr/>
+          <a:bodyPr anchor="b">
+            <a:normAutofit/>
+          </a:bodyPr>
           <a:lstStyle/>
           <a:p>
             <a:r>
-              <a:rPr lang="en-US" dirty="0"/>
+              <a:rPr lang="en-US" sz="5600" dirty="0"/>
               <a:t>Work Management</a:t>
             </a:r>
-            <a:endParaRPr lang="en-IN" dirty="0"/>
+            <a:endParaRPr lang="en-IN" sz="5600" dirty="0"/>
+          </a:p>
+        </p:txBody>
+      </p:sp>
+      <p:sp>
+        <p:nvSpPr>
+          <p:cNvPr id="37" name="Rectangle 6">
+            <a:extLst>
+              <a:ext uri="{FF2B5EF4-FFF2-40B4-BE49-F238E27FC236}">
+                <a16:creationId xmlns:a16="http://schemas.microsoft.com/office/drawing/2014/main" id="{3CE8AF5E-D374-4CF1-90CC-35CF73B81C3E}"/>
+              </a:ext>
+              <a:ext uri="{C183D7F6-B498-43B3-948B-1728B52AA6E4}">
+                <adec:decorative xmlns:adec="http://schemas.microsoft.com/office/drawing/2017/decorative" val="1"/>
+              </a:ext>
+            </a:extLst>
+          </p:cNvPr>
+          <p:cNvSpPr>
+            <a:spLocks noGrp="1" noRot="1" noChangeAspect="1" noMove="1" noResize="1" noEditPoints="1" noAdjustHandles="1" noChangeArrowheads="1" noChangeShapeType="1" noTextEdit="1"/>
+          </p:cNvSpPr>
+          <p:nvPr>
+            <p:extLst>
+              <p:ext uri="{386F3935-93C4-4BCD-93E2-E3B085C9AB24}">
+                <p16:designElem xmlns:p16="http://schemas.microsoft.com/office/powerpoint/2015/main" val="1"/>
+              </p:ext>
+            </p:extLst>
+          </p:nvPr>
+        </p:nvSpPr>
+        <p:spPr>
+          <a:xfrm>
+            <a:off x="630936" y="2386584"/>
+            <a:ext cx="4114800" cy="18288"/>
+          </a:xfrm>
+          <a:custGeom>
+            <a:avLst/>
+            <a:gdLst>
+              <a:gd name="connsiteX0" fmla="*/ 0 w 4114800"/>
+              <a:gd name="connsiteY0" fmla="*/ 0 h 18288"/>
+              <a:gd name="connsiteX1" fmla="*/ 768096 w 4114800"/>
+              <a:gd name="connsiteY1" fmla="*/ 0 h 18288"/>
+              <a:gd name="connsiteX2" fmla="*/ 1495044 w 4114800"/>
+              <a:gd name="connsiteY2" fmla="*/ 0 h 18288"/>
+              <a:gd name="connsiteX3" fmla="*/ 2221992 w 4114800"/>
+              <a:gd name="connsiteY3" fmla="*/ 0 h 18288"/>
+              <a:gd name="connsiteX4" fmla="*/ 2784348 w 4114800"/>
+              <a:gd name="connsiteY4" fmla="*/ 0 h 18288"/>
+              <a:gd name="connsiteX5" fmla="*/ 3387852 w 4114800"/>
+              <a:gd name="connsiteY5" fmla="*/ 0 h 18288"/>
+              <a:gd name="connsiteX6" fmla="*/ 4114800 w 4114800"/>
+              <a:gd name="connsiteY6" fmla="*/ 0 h 18288"/>
+              <a:gd name="connsiteX7" fmla="*/ 4114800 w 4114800"/>
+              <a:gd name="connsiteY7" fmla="*/ 18288 h 18288"/>
+              <a:gd name="connsiteX8" fmla="*/ 3429000 w 4114800"/>
+              <a:gd name="connsiteY8" fmla="*/ 18288 h 18288"/>
+              <a:gd name="connsiteX9" fmla="*/ 2866644 w 4114800"/>
+              <a:gd name="connsiteY9" fmla="*/ 18288 h 18288"/>
+              <a:gd name="connsiteX10" fmla="*/ 2304288 w 4114800"/>
+              <a:gd name="connsiteY10" fmla="*/ 18288 h 18288"/>
+              <a:gd name="connsiteX11" fmla="*/ 1577340 w 4114800"/>
+              <a:gd name="connsiteY11" fmla="*/ 18288 h 18288"/>
+              <a:gd name="connsiteX12" fmla="*/ 973836 w 4114800"/>
+              <a:gd name="connsiteY12" fmla="*/ 18288 h 18288"/>
+              <a:gd name="connsiteX13" fmla="*/ 0 w 4114800"/>
+              <a:gd name="connsiteY13" fmla="*/ 18288 h 18288"/>
+              <a:gd name="connsiteX14" fmla="*/ 0 w 4114800"/>
+              <a:gd name="connsiteY14" fmla="*/ 0 h 18288"/>
+            </a:gdLst>
+            <a:ahLst/>
+            <a:cxnLst>
+              <a:cxn ang="0">
+                <a:pos x="connsiteX0" y="connsiteY0"/>
+              </a:cxn>
+              <a:cxn ang="0">
+                <a:pos x="connsiteX1" y="connsiteY1"/>
+              </a:cxn>
+              <a:cxn ang="0">
+                <a:pos x="connsiteX2" y="connsiteY2"/>
+              </a:cxn>
+              <a:cxn ang="0">
+                <a:pos x="connsiteX3" y="connsiteY3"/>
+              </a:cxn>
+              <a:cxn ang="0">
+                <a:pos x="connsiteX4" y="connsiteY4"/>
+              </a:cxn>
+              <a:cxn ang="0">
+                <a:pos x="connsiteX5" y="connsiteY5"/>
+              </a:cxn>
+              <a:cxn ang="0">
+                <a:pos x="connsiteX6" y="connsiteY6"/>
+              </a:cxn>
+              <a:cxn ang="0">
+                <a:pos x="connsiteX7" y="connsiteY7"/>
+              </a:cxn>
+              <a:cxn ang="0">
+                <a:pos x="connsiteX8" y="connsiteY8"/>
+              </a:cxn>
+              <a:cxn ang="0">
+                <a:pos x="connsiteX9" y="connsiteY9"/>
+              </a:cxn>
+              <a:cxn ang="0">
+                <a:pos x="connsiteX10" y="connsiteY10"/>
+              </a:cxn>
+              <a:cxn ang="0">
+                <a:pos x="connsiteX11" y="connsiteY11"/>
+              </a:cxn>
+              <a:cxn ang="0">
+                <a:pos x="connsiteX12" y="connsiteY12"/>
+              </a:cxn>
+              <a:cxn ang="0">
+                <a:pos x="connsiteX13" y="connsiteY13"/>
+              </a:cxn>
+              <a:cxn ang="0">
+                <a:pos x="connsiteX14" y="connsiteY14"/>
+              </a:cxn>
+            </a:cxnLst>
+            <a:rect l="l" t="t" r="r" b="b"/>
+            <a:pathLst>
+              <a:path w="4114800" h="18288" fill="none" extrusionOk="0">
+                <a:moveTo>
+                  <a:pt x="0" y="0"/>
+                </a:moveTo>
+                <a:cubicBezTo>
+                  <a:pt x="338280" y="-26110"/>
+                  <a:pt x="483942" y="6555"/>
+                  <a:pt x="768096" y="0"/>
+                </a:cubicBezTo>
+                <a:cubicBezTo>
+                  <a:pt x="1052250" y="-6555"/>
+                  <a:pt x="1331484" y="24616"/>
+                  <a:pt x="1495044" y="0"/>
+                </a:cubicBezTo>
+                <a:cubicBezTo>
+                  <a:pt x="1658604" y="-24616"/>
+                  <a:pt x="2056661" y="-33562"/>
+                  <a:pt x="2221992" y="0"/>
+                </a:cubicBezTo>
+                <a:cubicBezTo>
+                  <a:pt x="2387323" y="33562"/>
+                  <a:pt x="2629463" y="-20094"/>
+                  <a:pt x="2784348" y="0"/>
+                </a:cubicBezTo>
+                <a:cubicBezTo>
+                  <a:pt x="2939233" y="20094"/>
+                  <a:pt x="3151981" y="1524"/>
+                  <a:pt x="3387852" y="0"/>
+                </a:cubicBezTo>
+                <a:cubicBezTo>
+                  <a:pt x="3623723" y="-1524"/>
+                  <a:pt x="3882724" y="26165"/>
+                  <a:pt x="4114800" y="0"/>
+                </a:cubicBezTo>
+                <a:cubicBezTo>
+                  <a:pt x="4114300" y="8855"/>
+                  <a:pt x="4114909" y="14521"/>
+                  <a:pt x="4114800" y="18288"/>
+                </a:cubicBezTo>
+                <a:cubicBezTo>
+                  <a:pt x="3910038" y="37744"/>
+                  <a:pt x="3683432" y="-3969"/>
+                  <a:pt x="3429000" y="18288"/>
+                </a:cubicBezTo>
+                <a:cubicBezTo>
+                  <a:pt x="3174568" y="40545"/>
+                  <a:pt x="3085815" y="44166"/>
+                  <a:pt x="2866644" y="18288"/>
+                </a:cubicBezTo>
+                <a:cubicBezTo>
+                  <a:pt x="2647473" y="-7590"/>
+                  <a:pt x="2580474" y="31338"/>
+                  <a:pt x="2304288" y="18288"/>
+                </a:cubicBezTo>
+                <a:cubicBezTo>
+                  <a:pt x="2028102" y="5238"/>
+                  <a:pt x="1863008" y="-2001"/>
+                  <a:pt x="1577340" y="18288"/>
+                </a:cubicBezTo>
+                <a:cubicBezTo>
+                  <a:pt x="1291672" y="38577"/>
+                  <a:pt x="1243931" y="9893"/>
+                  <a:pt x="973836" y="18288"/>
+                </a:cubicBezTo>
+                <a:cubicBezTo>
+                  <a:pt x="703741" y="26683"/>
+                  <a:pt x="317656" y="-5910"/>
+                  <a:pt x="0" y="18288"/>
+                </a:cubicBezTo>
+                <a:cubicBezTo>
+                  <a:pt x="683" y="12014"/>
+                  <a:pt x="724" y="5908"/>
+                  <a:pt x="0" y="0"/>
+                </a:cubicBezTo>
+                <a:close/>
+              </a:path>
+              <a:path w="4114800" h="18288" stroke="0" extrusionOk="0">
+                <a:moveTo>
+                  <a:pt x="0" y="0"/>
+                </a:moveTo>
+                <a:cubicBezTo>
+                  <a:pt x="276109" y="5266"/>
+                  <a:pt x="325589" y="-19584"/>
+                  <a:pt x="644652" y="0"/>
+                </a:cubicBezTo>
+                <a:cubicBezTo>
+                  <a:pt x="963715" y="19584"/>
+                  <a:pt x="1064991" y="6066"/>
+                  <a:pt x="1207008" y="0"/>
+                </a:cubicBezTo>
+                <a:cubicBezTo>
+                  <a:pt x="1349025" y="-6066"/>
+                  <a:pt x="1791724" y="14506"/>
+                  <a:pt x="1975104" y="0"/>
+                </a:cubicBezTo>
+                <a:cubicBezTo>
+                  <a:pt x="2158484" y="-14506"/>
+                  <a:pt x="2397469" y="20822"/>
+                  <a:pt x="2619756" y="0"/>
+                </a:cubicBezTo>
+                <a:cubicBezTo>
+                  <a:pt x="2842043" y="-20822"/>
+                  <a:pt x="2992157" y="20388"/>
+                  <a:pt x="3264408" y="0"/>
+                </a:cubicBezTo>
+                <a:cubicBezTo>
+                  <a:pt x="3536659" y="-20388"/>
+                  <a:pt x="3855620" y="38211"/>
+                  <a:pt x="4114800" y="0"/>
+                </a:cubicBezTo>
+                <a:cubicBezTo>
+                  <a:pt x="4113902" y="7180"/>
+                  <a:pt x="4114969" y="13790"/>
+                  <a:pt x="4114800" y="18288"/>
+                </a:cubicBezTo>
+                <a:cubicBezTo>
+                  <a:pt x="3968901" y="8593"/>
+                  <a:pt x="3623428" y="17559"/>
+                  <a:pt x="3429000" y="18288"/>
+                </a:cubicBezTo>
+                <a:cubicBezTo>
+                  <a:pt x="3234572" y="19017"/>
+                  <a:pt x="3085079" y="41804"/>
+                  <a:pt x="2866644" y="18288"/>
+                </a:cubicBezTo>
+                <a:cubicBezTo>
+                  <a:pt x="2648209" y="-5228"/>
+                  <a:pt x="2451737" y="24580"/>
+                  <a:pt x="2180844" y="18288"/>
+                </a:cubicBezTo>
+                <a:cubicBezTo>
+                  <a:pt x="1909951" y="11996"/>
+                  <a:pt x="1681589" y="12244"/>
+                  <a:pt x="1495044" y="18288"/>
+                </a:cubicBezTo>
+                <a:cubicBezTo>
+                  <a:pt x="1308499" y="24332"/>
+                  <a:pt x="1136614" y="21789"/>
+                  <a:pt x="850392" y="18288"/>
+                </a:cubicBezTo>
+                <a:cubicBezTo>
+                  <a:pt x="564170" y="14787"/>
+                  <a:pt x="210636" y="54701"/>
+                  <a:pt x="0" y="18288"/>
+                </a:cubicBezTo>
+                <a:cubicBezTo>
+                  <a:pt x="571" y="10093"/>
+                  <a:pt x="-125" y="8407"/>
+                  <a:pt x="0" y="0"/>
+                </a:cubicBezTo>
+                <a:close/>
+              </a:path>
+            </a:pathLst>
+          </a:custGeom>
+          <a:solidFill>
+            <a:srgbClr val="CA93A7"/>
+          </a:solidFill>
+          <a:ln w="38100" cap="rnd">
+            <a:solidFill>
+              <a:srgbClr val="CA93A7"/>
+            </a:solidFill>
+            <a:round/>
+            <a:extLst>
+              <a:ext uri="{C807C97D-BFC1-408E-A445-0C87EB9F89A2}">
+                <ask:lineSketchStyleProps xmlns:ask="http://schemas.microsoft.com/office/drawing/2018/sketchyshapes" sd="1219033472">
+                  <a:prstGeom prst="rect">
+                    <a:avLst/>
+                  </a:prstGeom>
+                  <ask:type>
+                    <ask:lineSketchFreehand/>
+                  </ask:type>
+                </ask:lineSketchStyleProps>
+              </a:ext>
+            </a:extLst>
+          </a:ln>
+        </p:spPr>
+        <p:style>
+          <a:lnRef idx="2">
+            <a:schemeClr val="accent1">
+              <a:shade val="50000"/>
+            </a:schemeClr>
+          </a:lnRef>
+          <a:fillRef idx="1">
+            <a:schemeClr val="accent1"/>
+          </a:fillRef>
+          <a:effectRef idx="0">
+            <a:schemeClr val="accent1"/>
+          </a:effectRef>
+          <a:fontRef idx="minor">
+            <a:schemeClr val="lt1"/>
+          </a:fontRef>
+        </p:style>
+        <p:txBody>
+          <a:bodyPr rtlCol="0" anchor="ctr"/>
+          <a:lstStyle/>
+          <a:p>
+            <a:pPr algn="ctr"/>
+            <a:endParaRPr lang="en-US"/>
           </a:p>
         </p:txBody>
       </p:sp>
@@ -9021,9 +9687,16 @@
             <p:ph idx="1"/>
           </p:nvPr>
         </p:nvSpPr>
-        <p:spPr/>
+        <p:spPr>
+          <a:xfrm>
+            <a:off x="630936" y="2660904"/>
+            <a:ext cx="4818888" cy="3547872"/>
+          </a:xfrm>
+        </p:spPr>
         <p:txBody>
-          <a:bodyPr/>
+          <a:bodyPr anchor="t">
+            <a:normAutofit/>
+          </a:bodyPr>
           <a:lstStyle/>
           <a:p>
             <a:r>
@@ -9031,6 +9704,166 @@
               <a:t>As I am the only person in my group, I have worked on all the tasks alone.</a:t>
             </a:r>
             <a:endParaRPr lang="en-IN" dirty="0"/>
+          </a:p>
+        </p:txBody>
+      </p:sp>
+      <mc:AlternateContent xmlns:mc="http://schemas.openxmlformats.org/markup-compatibility/2006">
+        <mc:Choice xmlns:p14="http://schemas.microsoft.com/office/powerpoint/2010/main" Requires="p14">
+          <p:contentPart p14:bwMode="auto" r:id="rId2">
+            <p14:nvContentPartPr>
+              <p14:cNvPr id="38" name="Ink 37">
+                <a:extLst>
+                  <a:ext uri="{FF2B5EF4-FFF2-40B4-BE49-F238E27FC236}">
+                    <a16:creationId xmlns:a16="http://schemas.microsoft.com/office/drawing/2014/main" id="{070477C5-0410-4E4F-97A1-F84C2465C187}"/>
+                  </a:ext>
+                  <a:ext uri="{C183D7F6-B498-43B3-948B-1728B52AA6E4}">
+                    <adec:decorative xmlns:adec="http://schemas.microsoft.com/office/drawing/2017/decorative" val="1"/>
+                  </a:ext>
+                </a:extLst>
+              </p14:cNvPr>
+              <p14:cNvContentPartPr>
+                <a14:cpLocks xmlns:a14="http://schemas.microsoft.com/office/drawing/2010/main" noGrp="1" noRot="1" noChangeAspect="1" noMove="1" noResize="1" noEditPoints="1" noAdjustHandles="1" noChangeArrowheads="1" noChangeShapeType="1"/>
+              </p14:cNvContentPartPr>
+              <p14:nvPr>
+                <p:extLst>
+                  <p:ext uri="{386F3935-93C4-4BCD-93E2-E3B085C9AB24}">
+                    <p16:designElem xmlns:p16="http://schemas.microsoft.com/office/powerpoint/2015/main" val="1"/>
+                  </p:ext>
+                </p:extLst>
+              </p14:nvPr>
+            </p14:nvContentPartPr>
+            <p14:xfrm>
+              <a:off x="5755403" y="1971579"/>
+              <a:ext cx="360" cy="2160"/>
+            </p14:xfrm>
+          </p:contentPart>
+        </mc:Choice>
+        <mc:Fallback>
+          <p:pic>
+            <p:nvPicPr>
+              <p:cNvPr id="38" name="Ink 37">
+                <a:extLst>
+                  <a:ext uri="{FF2B5EF4-FFF2-40B4-BE49-F238E27FC236}">
+                    <a16:creationId xmlns:a16="http://schemas.microsoft.com/office/drawing/2014/main" id="{070477C5-0410-4E4F-97A1-F84C2465C187}"/>
+                  </a:ext>
+                  <a:ext uri="{C183D7F6-B498-43B3-948B-1728B52AA6E4}">
+                    <adec:decorative xmlns:adec="http://schemas.microsoft.com/office/drawing/2017/decorative" val="1"/>
+                  </a:ext>
+                </a:extLst>
+              </p:cNvPr>
+              <p:cNvPicPr>
+                <a:picLocks noGrp="1" noRot="1" noChangeAspect="1" noMove="1" noResize="1" noEditPoints="1" noAdjustHandles="1" noChangeArrowheads="1" noChangeShapeType="1"/>
+              </p:cNvPicPr>
+              <p:nvPr/>
+            </p:nvPicPr>
+            <p:blipFill>
+              <a:blip r:embed="rId3"/>
+              <a:stretch>
+                <a:fillRect/>
+              </a:stretch>
+            </p:blipFill>
+            <p:spPr>
+              <a:xfrm>
+                <a:off x="5737403" y="1956150"/>
+                <a:ext cx="36000" cy="32709"/>
+              </a:xfrm>
+              <a:prstGeom prst="rect">
+                <a:avLst/>
+              </a:prstGeom>
+            </p:spPr>
+          </p:pic>
+        </mc:Fallback>
+      </mc:AlternateContent>
+      <p:pic>
+        <p:nvPicPr>
+          <p:cNvPr id="6" name="Picture 5">
+            <a:extLst>
+              <a:ext uri="{FF2B5EF4-FFF2-40B4-BE49-F238E27FC236}">
+                <a16:creationId xmlns:a16="http://schemas.microsoft.com/office/drawing/2014/main" id="{5E7A9D85-1BF1-E7B1-DB43-0667868008A2}"/>
+              </a:ext>
+            </a:extLst>
+          </p:cNvPr>
+          <p:cNvPicPr>
+            <a:picLocks noChangeAspect="1"/>
+          </p:cNvPicPr>
+          <p:nvPr/>
+        </p:nvPicPr>
+        <p:blipFill>
+          <a:blip r:embed="rId4"/>
+          <a:stretch>
+            <a:fillRect/>
+          </a:stretch>
+        </p:blipFill>
+        <p:spPr>
+          <a:xfrm>
+            <a:off x="6625285" y="640080"/>
+            <a:ext cx="4406493" cy="5577840"/>
+          </a:xfrm>
+          <a:prstGeom prst="rect">
+            <a:avLst/>
+          </a:prstGeom>
+        </p:spPr>
+      </p:pic>
+      <p:sp>
+        <p:nvSpPr>
+          <p:cNvPr id="7" name="Title 1">
+            <a:extLst>
+              <a:ext uri="{FF2B5EF4-FFF2-40B4-BE49-F238E27FC236}">
+                <a16:creationId xmlns:a16="http://schemas.microsoft.com/office/drawing/2014/main" id="{26225DE1-7138-F3EF-A038-8F6916EF8833}"/>
+              </a:ext>
+            </a:extLst>
+          </p:cNvPr>
+          <p:cNvSpPr txBox="1">
+            <a:spLocks/>
+          </p:cNvSpPr>
+          <p:nvPr/>
+        </p:nvSpPr>
+        <p:spPr>
+          <a:xfrm>
+            <a:off x="630936" y="4096512"/>
+            <a:ext cx="5275368" cy="1481328"/>
+          </a:xfrm>
+          <a:prstGeom prst="rect">
+            <a:avLst/>
+          </a:prstGeom>
+        </p:spPr>
+        <p:txBody>
+          <a:bodyPr vert="horz" lIns="91440" tIns="45720" rIns="91440" bIns="45720" rtlCol="0" anchor="b">
+            <a:normAutofit/>
+          </a:bodyPr>
+          <a:lstStyle>
+            <a:lvl1pPr algn="l" defTabSz="914400" rtl="0" eaLnBrk="1" latinLnBrk="0" hangingPunct="1">
+              <a:lnSpc>
+                <a:spcPct val="100000"/>
+              </a:lnSpc>
+              <a:spcBef>
+                <a:spcPct val="0"/>
+              </a:spcBef>
+              <a:buNone/>
+              <a:defRPr sz="5400" kern="1200">
+                <a:solidFill>
+                  <a:schemeClr val="tx1"/>
+                </a:solidFill>
+                <a:latin typeface="+mj-lt"/>
+                <a:ea typeface="+mj-ea"/>
+                <a:cs typeface="+mj-cs"/>
+              </a:defRPr>
+            </a:lvl1pPr>
+          </a:lstStyle>
+          <a:p>
+            <a:r>
+              <a:rPr lang="en-US" sz="5600" dirty="0"/>
+              <a:t>Website Link</a:t>
+            </a:r>
+          </a:p>
+          <a:p>
+            <a:r>
+              <a:rPr lang="en-IN" sz="2000" dirty="0">
+                <a:hlinkClick r:id="rId5"/>
+              </a:rPr>
+              <a:t>https://uthkarshh.github.io/Scientific-Data-Visualization-Project/</a:t>
+            </a:r>
+            <a:endParaRPr lang="en-IN" sz="2000" dirty="0"/>
           </a:p>
         </p:txBody>
       </p:sp>
@@ -12274,8 +13107,8 @@
           </a:p>
         </p:txBody>
       </p:sp>
-      <mc:AlternateContent xmlns:mc="http://schemas.openxmlformats.org/markup-compatibility/2006">
-        <mc:Choice xmlns:p14="http://schemas.microsoft.com/office/powerpoint/2010/main" Requires="p14">
+      <mc:AlternateContent xmlns:mc="http://schemas.openxmlformats.org/markup-compatibility/2006" xmlns:p14="http://schemas.microsoft.com/office/powerpoint/2010/main">
+        <mc:Choice Requires="p14">
           <p:contentPart p14:bwMode="auto" r:id="rId2">
             <p14:nvContentPartPr>
               <p14:cNvPr id="32" name="Ink 31">
@@ -12305,7 +13138,7 @@
             </p14:xfrm>
           </p:contentPart>
         </mc:Choice>
-        <mc:Fallback>
+        <mc:Fallback xmlns="">
           <p:pic>
             <p:nvPicPr>
               <p:cNvPr id="32" name="Ink 31">
@@ -13063,8 +13896,8 @@
           </a:p>
         </p:txBody>
       </p:sp>
-      <mc:AlternateContent xmlns:mc="http://schemas.openxmlformats.org/markup-compatibility/2006">
-        <mc:Choice xmlns:p14="http://schemas.microsoft.com/office/powerpoint/2010/main" Requires="p14">
+      <mc:AlternateContent xmlns:mc="http://schemas.openxmlformats.org/markup-compatibility/2006" xmlns:p14="http://schemas.microsoft.com/office/powerpoint/2010/main">
+        <mc:Choice Requires="p14">
           <p:contentPart p14:bwMode="auto" r:id="rId3">
             <p14:nvContentPartPr>
               <p14:cNvPr id="13" name="Ink 12">
@@ -13094,7 +13927,7 @@
             </p14:xfrm>
           </p:contentPart>
         </mc:Choice>
-        <mc:Fallback>
+        <mc:Fallback xmlns="">
           <p:pic>
             <p:nvPicPr>
               <p:cNvPr id="13" name="Ink 12">
